--- a/ppt/5.확률 분포.pptx
+++ b/ppt/5.확률 분포.pptx
@@ -282,7 +282,7 @@
           <a:p>
             <a:fld id="{8767FFF7-9039-4158-A736-4C69A1613938}" type="datetimeFigureOut">
               <a:rPr lang="ko-KR" altLang="en-US" smtClean="0"/>
-              <a:t>2017-02-27</a:t>
+              <a:t>2017-04-11</a:t>
             </a:fld>
             <a:endParaRPr lang="ko-KR" altLang="en-US"/>
           </a:p>
@@ -452,7 +452,7 @@
           <a:p>
             <a:fld id="{8767FFF7-9039-4158-A736-4C69A1613938}" type="datetimeFigureOut">
               <a:rPr lang="ko-KR" altLang="en-US" smtClean="0"/>
-              <a:t>2017-02-27</a:t>
+              <a:t>2017-04-11</a:t>
             </a:fld>
             <a:endParaRPr lang="ko-KR" altLang="en-US"/>
           </a:p>
@@ -632,7 +632,7 @@
           <a:p>
             <a:fld id="{8767FFF7-9039-4158-A736-4C69A1613938}" type="datetimeFigureOut">
               <a:rPr lang="ko-KR" altLang="en-US" smtClean="0"/>
-              <a:t>2017-02-27</a:t>
+              <a:t>2017-04-11</a:t>
             </a:fld>
             <a:endParaRPr lang="ko-KR" altLang="en-US"/>
           </a:p>
@@ -802,7 +802,7 @@
           <a:p>
             <a:fld id="{8767FFF7-9039-4158-A736-4C69A1613938}" type="datetimeFigureOut">
               <a:rPr lang="ko-KR" altLang="en-US" smtClean="0"/>
-              <a:t>2017-02-27</a:t>
+              <a:t>2017-04-11</a:t>
             </a:fld>
             <a:endParaRPr lang="ko-KR" altLang="en-US"/>
           </a:p>
@@ -1048,7 +1048,7 @@
           <a:p>
             <a:fld id="{8767FFF7-9039-4158-A736-4C69A1613938}" type="datetimeFigureOut">
               <a:rPr lang="ko-KR" altLang="en-US" smtClean="0"/>
-              <a:t>2017-02-27</a:t>
+              <a:t>2017-04-11</a:t>
             </a:fld>
             <a:endParaRPr lang="ko-KR" altLang="en-US"/>
           </a:p>
@@ -1280,7 +1280,7 @@
           <a:p>
             <a:fld id="{8767FFF7-9039-4158-A736-4C69A1613938}" type="datetimeFigureOut">
               <a:rPr lang="ko-KR" altLang="en-US" smtClean="0"/>
-              <a:t>2017-02-27</a:t>
+              <a:t>2017-04-11</a:t>
             </a:fld>
             <a:endParaRPr lang="ko-KR" altLang="en-US"/>
           </a:p>
@@ -1647,7 +1647,7 @@
           <a:p>
             <a:fld id="{8767FFF7-9039-4158-A736-4C69A1613938}" type="datetimeFigureOut">
               <a:rPr lang="ko-KR" altLang="en-US" smtClean="0"/>
-              <a:t>2017-02-27</a:t>
+              <a:t>2017-04-11</a:t>
             </a:fld>
             <a:endParaRPr lang="ko-KR" altLang="en-US"/>
           </a:p>
@@ -1765,7 +1765,7 @@
           <a:p>
             <a:fld id="{8767FFF7-9039-4158-A736-4C69A1613938}" type="datetimeFigureOut">
               <a:rPr lang="ko-KR" altLang="en-US" smtClean="0"/>
-              <a:t>2017-02-27</a:t>
+              <a:t>2017-04-11</a:t>
             </a:fld>
             <a:endParaRPr lang="ko-KR" altLang="en-US"/>
           </a:p>
@@ -1860,7 +1860,7 @@
           <a:p>
             <a:fld id="{8767FFF7-9039-4158-A736-4C69A1613938}" type="datetimeFigureOut">
               <a:rPr lang="ko-KR" altLang="en-US" smtClean="0"/>
-              <a:t>2017-02-27</a:t>
+              <a:t>2017-04-11</a:t>
             </a:fld>
             <a:endParaRPr lang="ko-KR" altLang="en-US"/>
           </a:p>
@@ -2137,7 +2137,7 @@
           <a:p>
             <a:fld id="{8767FFF7-9039-4158-A736-4C69A1613938}" type="datetimeFigureOut">
               <a:rPr lang="ko-KR" altLang="en-US" smtClean="0"/>
-              <a:t>2017-02-27</a:t>
+              <a:t>2017-04-11</a:t>
             </a:fld>
             <a:endParaRPr lang="ko-KR" altLang="en-US"/>
           </a:p>
@@ -2390,7 +2390,7 @@
           <a:p>
             <a:fld id="{8767FFF7-9039-4158-A736-4C69A1613938}" type="datetimeFigureOut">
               <a:rPr lang="ko-KR" altLang="en-US" smtClean="0"/>
-              <a:t>2017-02-27</a:t>
+              <a:t>2017-04-11</a:t>
             </a:fld>
             <a:endParaRPr lang="ko-KR" altLang="en-US"/>
           </a:p>
@@ -2603,7 +2603,7 @@
           <a:p>
             <a:fld id="{8767FFF7-9039-4158-A736-4C69A1613938}" type="datetimeFigureOut">
               <a:rPr lang="ko-KR" altLang="en-US" smtClean="0"/>
-              <a:t>2017-02-27</a:t>
+              <a:t>2017-04-11</a:t>
             </a:fld>
             <a:endParaRPr lang="ko-KR" altLang="en-US"/>
           </a:p>
@@ -25563,8 +25563,8 @@
           </a:p>
         </p:txBody>
       </p:sp>
-      <mc:AlternateContent xmlns:mc="http://schemas.openxmlformats.org/markup-compatibility/2006" xmlns:a14="http://schemas.microsoft.com/office/drawing/2010/main">
-        <mc:Choice Requires="a14">
+      <mc:AlternateContent xmlns:mc="http://schemas.openxmlformats.org/markup-compatibility/2006">
+        <mc:Choice xmlns:a14="http://schemas.microsoft.com/office/drawing/2010/main" Requires="a14">
           <p:sp>
             <p:nvSpPr>
               <p:cNvPr id="3" name="내용 개체 틀 2"/>
@@ -25606,7 +25606,19 @@
                 <a:pPr lvl="1"/>
                 <a:r>
                   <a:rPr lang="ko-KR" altLang="en-US" dirty="0" smtClean="0"/>
-                  <a:t>공정한 동전을 던져서 기대되는 앞면의 수 </a:t>
+                  <a:t>공정한 동전을 </a:t>
+                </a:r>
+                <a:r>
+                  <a:rPr lang="en-US" altLang="ko-KR" dirty="0" smtClean="0"/>
+                  <a:t>100</a:t>
+                </a:r>
+                <a:r>
+                  <a:rPr lang="ko-KR" altLang="en-US" smtClean="0"/>
+                  <a:t>번 던져서 </a:t>
+                </a:r>
+                <a:r>
+                  <a:rPr lang="ko-KR" altLang="en-US" dirty="0" smtClean="0"/>
+                  <a:t>기대되는 앞면의 수 </a:t>
                 </a:r>
                 <a:r>
                   <a:rPr lang="en-US" altLang="ko-KR" dirty="0" smtClean="0"/>
@@ -25968,7 +25980,7 @@
             </p:txBody>
           </p:sp>
         </mc:Choice>
-        <mc:Fallback xmlns="">
+        <mc:Fallback>
           <p:sp>
             <p:nvSpPr>
               <p:cNvPr id="3" name="내용 개체 틀 2"/>
@@ -26068,8 +26080,8 @@
           </a:p>
         </p:txBody>
       </p:sp>
-      <mc:AlternateContent xmlns:mc="http://schemas.openxmlformats.org/markup-compatibility/2006">
-        <mc:Choice xmlns:a14="http://schemas.microsoft.com/office/drawing/2010/main" Requires="a14">
+      <mc:AlternateContent xmlns:mc="http://schemas.openxmlformats.org/markup-compatibility/2006" xmlns:a14="http://schemas.microsoft.com/office/drawing/2010/main">
+        <mc:Choice Requires="a14">
           <p:sp>
             <p:nvSpPr>
               <p:cNvPr id="3" name="내용 개체 틀 2"/>
@@ -27027,7 +27039,7 @@
             </p:txBody>
           </p:sp>
         </mc:Choice>
-        <mc:Fallback>
+        <mc:Fallback xmlns="">
           <p:sp>
             <p:nvSpPr>
               <p:cNvPr id="3" name="내용 개체 틀 2"/>
